--- a/00-Resources/04. CSharp-MVC-Frameworks-ASP.NET-Core-Filters.pptx
+++ b/00-Resources/04. CSharp-MVC-Frameworks-ASP.NET-Core-Filters.pptx
@@ -171,7 +171,7 @@
       </p14:sectionLst>
     </p:ext>
     <p:ext uri="{EFAFB233-063F-42B5-8137-9DF3F51BA10A}">
-      <p15:sldGuideLst xmlns="" xmlns:p15="http://schemas.microsoft.com/office/powerpoint/2012/main">
+      <p15:sldGuideLst xmlns:p15="http://schemas.microsoft.com/office/powerpoint/2012/main">
         <p15:guide id="1" orient="horz" pos="2160" userDrawn="1">
           <p15:clr>
             <a:srgbClr val="A4A3A4"/>
@@ -185,7 +185,7 @@
       </p15:sldGuideLst>
     </p:ext>
     <p:ext uri="{2D200454-40CA-4A62-9FC3-DE9A4176ACB9}">
-      <p15:notesGuideLst xmlns="" xmlns:p15="http://schemas.microsoft.com/office/powerpoint/2012/main">
+      <p15:notesGuideLst xmlns:p15="http://schemas.microsoft.com/office/powerpoint/2012/main">
         <p15:guide id="1" orient="horz" pos="2880">
           <p15:clr>
             <a:srgbClr val="A4A3A4"/>
@@ -289,7 +289,7 @@
             <a:fld id="{FE5B4EDC-59C0-49C7-8ADA-5A781B329E02}" type="datetimeFigureOut">
               <a:rPr lang="en-US"/>
               <a:pPr/>
-              <a:t>11/6/2017</a:t>
+              <a:t>11/13/2017</a:t>
             </a:fld>
             <a:endParaRPr dirty="0"/>
           </a:p>
@@ -488,7 +488,7 @@
             <a:fld id="{F2D8D46A-B586-417D-BFBD-8C8FE0AAF762}" type="datetimeFigureOut">
               <a:rPr lang="en-US" smtClean="0"/>
               <a:pPr/>
-              <a:t>11/6/2017</a:t>
+              <a:t>11/13/2017</a:t>
             </a:fld>
             <a:endParaRPr lang="en-US" dirty="0"/>
           </a:p>
@@ -2229,7 +2229,7 @@
             <a:fld id="{055373AC-9AA7-423B-BA00-BA1C74164DBD}" type="datetime1">
               <a:rPr lang="en-US" smtClean="0"/>
               <a:pPr/>
-              <a:t>11/6/2017</a:t>
+              <a:t>11/13/2017</a:t>
             </a:fld>
             <a:endParaRPr lang="en-US" dirty="0"/>
           </a:p>
@@ -2441,7 +2441,7 @@
           <p:cNvPr id="8" name="Picture 7">
             <a:extLst>
               <a:ext uri="{FF2B5EF4-FFF2-40B4-BE49-F238E27FC236}">
-                <a16:creationId xmlns:a16="http://schemas.microsoft.com/office/drawing/2014/main" xmlns="" id="{51D88274-EADB-4D91-A3FA-46509D5A9E48}"/>
+                <a16:creationId xmlns="" xmlns:a16="http://schemas.microsoft.com/office/drawing/2014/main" id="{51D88274-EADB-4D91-A3FA-46509D5A9E48}"/>
               </a:ext>
             </a:extLst>
           </p:cNvPr>
@@ -2677,7 +2677,7 @@
           <p:cNvPr id="5" name="Picture 4">
             <a:extLst>
               <a:ext uri="{FF2B5EF4-FFF2-40B4-BE49-F238E27FC236}">
-                <a16:creationId xmlns:a16="http://schemas.microsoft.com/office/drawing/2014/main" xmlns="" id="{47AA3D92-3261-477D-B938-027C7E7C28C4}"/>
+                <a16:creationId xmlns="" xmlns:a16="http://schemas.microsoft.com/office/drawing/2014/main" id="{47AA3D92-3261-477D-B938-027C7E7C28C4}"/>
               </a:ext>
             </a:extLst>
           </p:cNvPr>
@@ -3299,7 +3299,7 @@
           <p:cNvPr id="17" name="Picture 16">
             <a:extLst>
               <a:ext uri="{FF2B5EF4-FFF2-40B4-BE49-F238E27FC236}">
-                <a16:creationId xmlns:a16="http://schemas.microsoft.com/office/drawing/2014/main" xmlns="" id="{499F432C-DAEA-400E-A53E-57A9FB8885FB}"/>
+                <a16:creationId xmlns="" xmlns:a16="http://schemas.microsoft.com/office/drawing/2014/main" id="{499F432C-DAEA-400E-A53E-57A9FB8885FB}"/>
               </a:ext>
             </a:extLst>
           </p:cNvPr>
@@ -3410,7 +3410,7 @@
             <a:fld id="{055373AC-9AA7-423B-BA00-BA1C74164DBD}" type="datetime1">
               <a:rPr lang="en-US" smtClean="0"/>
               <a:pPr/>
-              <a:t>11/6/2017</a:t>
+              <a:t>11/13/2017</a:t>
             </a:fld>
             <a:endParaRPr lang="en-US" dirty="0"/>
           </a:p>
@@ -3939,7 +3939,7 @@
   </p:txStyles>
   <p:extLst mod="1">
     <p:ext uri="{27BBF7A9-308A-43DC-89C8-2F10F3537804}">
-      <p15:sldGuideLst xmlns="" xmlns:p15="http://schemas.microsoft.com/office/powerpoint/2012/main">
+      <p15:sldGuideLst xmlns:p15="http://schemas.microsoft.com/office/powerpoint/2012/main">
         <p15:guide id="1" orient="horz" pos="2160" userDrawn="1">
           <p15:clr>
             <a:srgbClr val="F26B43"/>
@@ -4031,11 +4031,7 @@
           <a:p>
             <a:r>
               <a:rPr lang="en-US" dirty="0" smtClean="0"/>
-              <a:t>Built-in &amp; </a:t>
-            </a:r>
-            <a:r>
-              <a:rPr lang="en-US" dirty="0" smtClean="0"/>
-              <a:t>Custom Filters</a:t>
+              <a:t>Built-in &amp; Custom Filters</a:t>
             </a:r>
             <a:endParaRPr lang="en-US" dirty="0"/>
           </a:p>
@@ -4235,7 +4231,7 @@
           <p:cNvPr id="23" name="Picture 22">
             <a:extLst>
               <a:ext uri="{FF2B5EF4-FFF2-40B4-BE49-F238E27FC236}">
-                <a16:creationId xmlns:a16="http://schemas.microsoft.com/office/drawing/2014/main" xmlns="" id="{C0D3D29C-BAF5-4006-8125-0CCBDDF50E66}"/>
+                <a16:creationId xmlns="" xmlns:a16="http://schemas.microsoft.com/office/drawing/2014/main" id="{C0D3D29C-BAF5-4006-8125-0CCBDDF50E66}"/>
               </a:ext>
             </a:extLst>
           </p:cNvPr>
@@ -4271,7 +4267,7 @@
           <p:cNvPr id="20" name="TextBox 19">
             <a:extLst>
               <a:ext uri="{FF2B5EF4-FFF2-40B4-BE49-F238E27FC236}">
-                <a16:creationId xmlns:a16="http://schemas.microsoft.com/office/drawing/2014/main" xmlns="" id="{87FF8955-9321-4222-B309-6A27C09B60B5}"/>
+                <a16:creationId xmlns="" xmlns:a16="http://schemas.microsoft.com/office/drawing/2014/main" id="{87FF8955-9321-4222-B309-6A27C09B60B5}"/>
               </a:ext>
             </a:extLst>
           </p:cNvPr>
@@ -4732,7 +4728,7 @@
           <p:cNvPr id="5" name="Text Placeholder 5">
             <a:extLst>
               <a:ext uri="{FF2B5EF4-FFF2-40B4-BE49-F238E27FC236}">
-                <a16:creationId xmlns:a16="http://schemas.microsoft.com/office/drawing/2014/main" xmlns="" id="{5D3E6983-9863-47EF-AB44-D1EA3149CA16}"/>
+                <a16:creationId xmlns="" xmlns:a16="http://schemas.microsoft.com/office/drawing/2014/main" id="{5D3E6983-9863-47EF-AB44-D1EA3149CA16}"/>
               </a:ext>
             </a:extLst>
           </p:cNvPr>
@@ -5451,7 +5447,7 @@
           <p:cNvPr id="5" name="Text Placeholder 5">
             <a:extLst>
               <a:ext uri="{FF2B5EF4-FFF2-40B4-BE49-F238E27FC236}">
-                <a16:creationId xmlns:a16="http://schemas.microsoft.com/office/drawing/2014/main" xmlns="" id="{5D3E6983-9863-47EF-AB44-D1EA3149CA16}"/>
+                <a16:creationId xmlns="" xmlns:a16="http://schemas.microsoft.com/office/drawing/2014/main" id="{5D3E6983-9863-47EF-AB44-D1EA3149CA16}"/>
               </a:ext>
             </a:extLst>
           </p:cNvPr>
@@ -6193,7 +6189,7 @@
           <p:cNvPr id="5" name="Text Placeholder 5">
             <a:extLst>
               <a:ext uri="{FF2B5EF4-FFF2-40B4-BE49-F238E27FC236}">
-                <a16:creationId xmlns:a16="http://schemas.microsoft.com/office/drawing/2014/main" xmlns="" id="{5D3E6983-9863-47EF-AB44-D1EA3149CA16}"/>
+                <a16:creationId xmlns="" xmlns:a16="http://schemas.microsoft.com/office/drawing/2014/main" id="{5D3E6983-9863-47EF-AB44-D1EA3149CA16}"/>
               </a:ext>
             </a:extLst>
           </p:cNvPr>
@@ -6724,7 +6720,7 @@
               <a:t>Inherit  </a:t>
             </a:r>
             <a:r>
-              <a:rPr lang="en-US" b="1" dirty="0" err="1">
+              <a:rPr lang="en-US" b="1" dirty="0" err="1" smtClean="0">
                 <a:solidFill>
                   <a:schemeClr val="tx2">
                     <a:lumMod val="75000"/>
@@ -6733,7 +6729,7 @@
                 <a:latin typeface="Consolas" panose="020B0609020204030204" pitchFamily="49" charset="0"/>
                 <a:cs typeface="Consolas" panose="020B0609020204030204" pitchFamily="49" charset="0"/>
               </a:rPr>
-              <a:t>ResultFilterAttribute</a:t>
+              <a:t>ExceptionFilterAttribute</a:t>
             </a:r>
             <a:endParaRPr lang="en-US" b="1" dirty="0">
               <a:solidFill>
@@ -6931,7 +6927,7 @@
           <p:cNvPr id="5" name="Text Placeholder 5">
             <a:extLst>
               <a:ext uri="{FF2B5EF4-FFF2-40B4-BE49-F238E27FC236}">
-                <a16:creationId xmlns:a16="http://schemas.microsoft.com/office/drawing/2014/main" xmlns="" id="{5D3E6983-9863-47EF-AB44-D1EA3149CA16}"/>
+                <a16:creationId xmlns="" xmlns:a16="http://schemas.microsoft.com/office/drawing/2014/main" id="{5D3E6983-9863-47EF-AB44-D1EA3149CA16}"/>
               </a:ext>
             </a:extLst>
           </p:cNvPr>
@@ -7154,11 +7150,7 @@
           <a:p>
             <a:r>
               <a:rPr lang="en-US" sz="2800" dirty="0" smtClean="0"/>
-              <a:t> </a:t>
-            </a:r>
-            <a:r>
-              <a:rPr lang="en-US" sz="2800" dirty="0" smtClean="0"/>
-              <a:t> </a:t>
+              <a:t>  </a:t>
             </a:r>
             <a:r>
               <a:rPr lang="en-US" sz="2800" dirty="0" err="1" smtClean="0">
@@ -7180,13 +7172,6 @@
               </a:rPr>
               <a:t> </a:t>
             </a:r>
-            <a:endParaRPr lang="en-US" sz="2800" dirty="0" smtClean="0">
-              <a:solidFill>
-                <a:schemeClr val="tx2">
-                  <a:lumMod val="75000"/>
-                </a:schemeClr>
-              </a:solidFill>
-            </a:endParaRPr>
           </a:p>
           <a:p>
             <a:r>
@@ -7740,7 +7725,7 @@
           <p:cNvPr id="12" name="Picture 11">
             <a:extLst>
               <a:ext uri="{FF2B5EF4-FFF2-40B4-BE49-F238E27FC236}">
-                <a16:creationId xmlns:a16="http://schemas.microsoft.com/office/drawing/2014/main" xmlns="" id="{3E73245D-7776-4EE2-B30B-2AA1BF9E97AB}"/>
+                <a16:creationId xmlns="" xmlns:a16="http://schemas.microsoft.com/office/drawing/2014/main" id="{3E73245D-7776-4EE2-B30B-2AA1BF9E97AB}"/>
               </a:ext>
             </a:extLst>
           </p:cNvPr>
@@ -7776,7 +7761,7 @@
           <p:cNvPr id="14" name="Picture 13">
             <a:extLst>
               <a:ext uri="{FF2B5EF4-FFF2-40B4-BE49-F238E27FC236}">
-                <a16:creationId xmlns:a16="http://schemas.microsoft.com/office/drawing/2014/main" xmlns="" id="{FE08E015-1750-49F2-92C4-DF80A331F153}"/>
+                <a16:creationId xmlns="" xmlns:a16="http://schemas.microsoft.com/office/drawing/2014/main" id="{FE08E015-1750-49F2-92C4-DF80A331F153}"/>
               </a:ext>
             </a:extLst>
           </p:cNvPr>
@@ -9021,7 +9006,7 @@
           <p:cNvPr id="16" name="Picture 15" descr="A picture containing clipart&#10;&#10;Description generated with very high confidence">
             <a:extLst>
               <a:ext uri="{FF2B5EF4-FFF2-40B4-BE49-F238E27FC236}">
-                <a16:creationId xmlns:a16="http://schemas.microsoft.com/office/drawing/2014/main" xmlns="" id="{1D5EA20F-A08B-46D3-A0D8-2268395A0484}"/>
+                <a16:creationId xmlns="" xmlns:a16="http://schemas.microsoft.com/office/drawing/2014/main" id="{1D5EA20F-A08B-46D3-A0D8-2268395A0484}"/>
               </a:ext>
             </a:extLst>
           </p:cNvPr>
@@ -9144,7 +9129,7 @@
             <a:hlinkClick r:id="rId3" action="ppaction://hlinksldjump"/>
             <a:extLst>
               <a:ext uri="{FF2B5EF4-FFF2-40B4-BE49-F238E27FC236}">
-                <a16:creationId xmlns:mc="http://schemas.openxmlformats.org/markup-compatibility/2006" xmlns:a16="http://schemas.microsoft.com/office/drawing/2014/main" xmlns="" id="{E501619A-72AF-40D7-95B8-4004AF905086}"/>
+                <a16:creationId xmlns="" xmlns:a16="http://schemas.microsoft.com/office/drawing/2014/main" xmlns:mc="http://schemas.openxmlformats.org/markup-compatibility/2006" id="{E501619A-72AF-40D7-95B8-4004AF905086}"/>
               </a:ext>
             </a:extLst>
           </p:cNvPr>
@@ -9186,7 +9171,7 @@
             <a:hlinkClick r:id="" action="ppaction://noaction"/>
             <a:extLst>
               <a:ext uri="{FF2B5EF4-FFF2-40B4-BE49-F238E27FC236}">
-                <a16:creationId xmlns:mc="http://schemas.openxmlformats.org/markup-compatibility/2006" xmlns:a16="http://schemas.microsoft.com/office/drawing/2014/main" xmlns="" id="{CB681496-F925-4A99-B908-DB2F227FA015}"/>
+                <a16:creationId xmlns="" xmlns:a16="http://schemas.microsoft.com/office/drawing/2014/main" xmlns:mc="http://schemas.openxmlformats.org/markup-compatibility/2006" id="{CB681496-F925-4A99-B908-DB2F227FA015}"/>
               </a:ext>
             </a:extLst>
           </p:cNvPr>
@@ -9228,7 +9213,7 @@
             <a:hlinkClick r:id="" action="ppaction://noaction"/>
             <a:extLst>
               <a:ext uri="{FF2B5EF4-FFF2-40B4-BE49-F238E27FC236}">
-                <a16:creationId xmlns:mc="http://schemas.openxmlformats.org/markup-compatibility/2006" xmlns:a16="http://schemas.microsoft.com/office/drawing/2014/main" xmlns="" id="{C271A420-75AF-40B9-A62E-42F8B8E5BC1E}"/>
+                <a16:creationId xmlns="" xmlns:a16="http://schemas.microsoft.com/office/drawing/2014/main" xmlns:mc="http://schemas.openxmlformats.org/markup-compatibility/2006" id="{C271A420-75AF-40B9-A62E-42F8B8E5BC1E}"/>
               </a:ext>
             </a:extLst>
           </p:cNvPr>
@@ -9900,7 +9885,7 @@
           <p:cNvPr id="5" name="Text Placeholder 5">
             <a:extLst>
               <a:ext uri="{FF2B5EF4-FFF2-40B4-BE49-F238E27FC236}">
-                <a16:creationId xmlns:a16="http://schemas.microsoft.com/office/drawing/2014/main" xmlns="" id="{5D3E6983-9863-47EF-AB44-D1EA3149CA16}"/>
+                <a16:creationId xmlns="" xmlns:a16="http://schemas.microsoft.com/office/drawing/2014/main" id="{5D3E6983-9863-47EF-AB44-D1EA3149CA16}"/>
               </a:ext>
             </a:extLst>
           </p:cNvPr>
@@ -9911,7 +9896,7 @@
         </p:nvSpPr>
         <p:spPr>
           <a:xfrm>
-            <a:off x="912812" y="4648200"/>
+            <a:off x="836612" y="4626561"/>
             <a:ext cx="10363200" cy="648997"/>
           </a:xfrm>
           <a:prstGeom prst="rect">
@@ -10660,7 +10645,7 @@
           <p:cNvPr id="5" name="Content Placeholder 4">
             <a:extLst>
               <a:ext uri="{FF2B5EF4-FFF2-40B4-BE49-F238E27FC236}">
-                <a16:creationId xmlns:a16="http://schemas.microsoft.com/office/drawing/2014/main" xmlns="" id="{C2946A00-32FB-4A88-8981-70C5830715A3}"/>
+                <a16:creationId xmlns="" xmlns:a16="http://schemas.microsoft.com/office/drawing/2014/main" id="{C2946A00-32FB-4A88-8981-70C5830715A3}"/>
               </a:ext>
             </a:extLst>
           </p:cNvPr>
@@ -11018,7 +11003,7 @@
           <p:cNvPr id="4" name="Title 3">
             <a:extLst>
               <a:ext uri="{FF2B5EF4-FFF2-40B4-BE49-F238E27FC236}">
-                <a16:creationId xmlns:a16="http://schemas.microsoft.com/office/drawing/2014/main" xmlns="" id="{C3655A5A-72A6-430A-B545-B597DCFF499D}"/>
+                <a16:creationId xmlns="" xmlns:a16="http://schemas.microsoft.com/office/drawing/2014/main" id="{C3655A5A-72A6-430A-B545-B597DCFF499D}"/>
               </a:ext>
             </a:extLst>
           </p:cNvPr>
@@ -11047,7 +11032,7 @@
           <p:cNvPr id="8" name="Content Placeholder 4">
             <a:extLst>
               <a:ext uri="{FF2B5EF4-FFF2-40B4-BE49-F238E27FC236}">
-                <a16:creationId xmlns:a16="http://schemas.microsoft.com/office/drawing/2014/main" xmlns="" id="{A0BBF7FD-DFD7-4B98-AB11-F17F1B041802}"/>
+                <a16:creationId xmlns="" xmlns:a16="http://schemas.microsoft.com/office/drawing/2014/main" id="{A0BBF7FD-DFD7-4B98-AB11-F17F1B041802}"/>
               </a:ext>
             </a:extLst>
           </p:cNvPr>
@@ -11739,7 +11724,7 @@
           <p:cNvPr id="5" name="Content Placeholder 4">
             <a:extLst>
               <a:ext uri="{FF2B5EF4-FFF2-40B4-BE49-F238E27FC236}">
-                <a16:creationId xmlns:a16="http://schemas.microsoft.com/office/drawing/2014/main" xmlns="" id="{C2946A00-32FB-4A88-8981-70C5830715A3}"/>
+                <a16:creationId xmlns="" xmlns:a16="http://schemas.microsoft.com/office/drawing/2014/main" id="{C2946A00-32FB-4A88-8981-70C5830715A3}"/>
               </a:ext>
             </a:extLst>
           </p:cNvPr>
@@ -11963,11 +11948,7 @@
             </a:r>
             <a:r>
               <a:rPr lang="en-US" dirty="0"/>
-              <a:t>has processed the </a:t>
-            </a:r>
-            <a:r>
-              <a:rPr lang="en-US" dirty="0"/>
-              <a:t>request</a:t>
+              <a:t>has processed the request</a:t>
             </a:r>
           </a:p>
           <a:p>
@@ -11997,7 +11978,7 @@
           <p:cNvPr id="4" name="Title 3">
             <a:extLst>
               <a:ext uri="{FF2B5EF4-FFF2-40B4-BE49-F238E27FC236}">
-                <a16:creationId xmlns:a16="http://schemas.microsoft.com/office/drawing/2014/main" xmlns="" id="{C3655A5A-72A6-430A-B545-B597DCFF499D}"/>
+                <a16:creationId xmlns="" xmlns:a16="http://schemas.microsoft.com/office/drawing/2014/main" id="{C3655A5A-72A6-430A-B545-B597DCFF499D}"/>
               </a:ext>
             </a:extLst>
           </p:cNvPr>
@@ -12029,7 +12010,7 @@
           <p:cNvPr id="8" name="Content Placeholder 4">
             <a:extLst>
               <a:ext uri="{FF2B5EF4-FFF2-40B4-BE49-F238E27FC236}">
-                <a16:creationId xmlns:a16="http://schemas.microsoft.com/office/drawing/2014/main" xmlns="" id="{A0BBF7FD-DFD7-4B98-AB11-F17F1B041802}"/>
+                <a16:creationId xmlns="" xmlns:a16="http://schemas.microsoft.com/office/drawing/2014/main" id="{A0BBF7FD-DFD7-4B98-AB11-F17F1B041802}"/>
               </a:ext>
             </a:extLst>
           </p:cNvPr>
@@ -12645,7 +12626,7 @@
           <p:cNvPr id="5" name="Content Placeholder 4">
             <a:extLst>
               <a:ext uri="{FF2B5EF4-FFF2-40B4-BE49-F238E27FC236}">
-                <a16:creationId xmlns:a16="http://schemas.microsoft.com/office/drawing/2014/main" xmlns="" id="{C2946A00-32FB-4A88-8981-70C5830715A3}"/>
+                <a16:creationId xmlns="" xmlns:a16="http://schemas.microsoft.com/office/drawing/2014/main" id="{C2946A00-32FB-4A88-8981-70C5830715A3}"/>
               </a:ext>
             </a:extLst>
           </p:cNvPr>
@@ -12704,7 +12685,7 @@
           <p:cNvPr id="4" name="Title 3">
             <a:extLst>
               <a:ext uri="{FF2B5EF4-FFF2-40B4-BE49-F238E27FC236}">
-                <a16:creationId xmlns:a16="http://schemas.microsoft.com/office/drawing/2014/main" xmlns="" id="{C3655A5A-72A6-430A-B545-B597DCFF499D}"/>
+                <a16:creationId xmlns="" xmlns:a16="http://schemas.microsoft.com/office/drawing/2014/main" id="{C3655A5A-72A6-430A-B545-B597DCFF499D}"/>
               </a:ext>
             </a:extLst>
           </p:cNvPr>
@@ -12733,7 +12714,7 @@
           <p:cNvPr id="8" name="Content Placeholder 4">
             <a:extLst>
               <a:ext uri="{FF2B5EF4-FFF2-40B4-BE49-F238E27FC236}">
-                <a16:creationId xmlns:a16="http://schemas.microsoft.com/office/drawing/2014/main" xmlns="" id="{A0BBF7FD-DFD7-4B98-AB11-F17F1B041802}"/>
+                <a16:creationId xmlns="" xmlns:a16="http://schemas.microsoft.com/office/drawing/2014/main" id="{A0BBF7FD-DFD7-4B98-AB11-F17F1B041802}"/>
               </a:ext>
             </a:extLst>
           </p:cNvPr>
@@ -12989,7 +12970,7 @@
           <p:cNvPr id="9" name="Text Placeholder 5">
             <a:extLst>
               <a:ext uri="{FF2B5EF4-FFF2-40B4-BE49-F238E27FC236}">
-                <a16:creationId xmlns:a16="http://schemas.microsoft.com/office/drawing/2014/main" xmlns="" id="{5D3E6983-9863-47EF-AB44-D1EA3149CA16}"/>
+                <a16:creationId xmlns="" xmlns:a16="http://schemas.microsoft.com/office/drawing/2014/main" id="{5D3E6983-9863-47EF-AB44-D1EA3149CA16}"/>
               </a:ext>
             </a:extLst>
           </p:cNvPr>
